--- a/src/morea/materials/08-Collections.pptx
+++ b/src/morea/materials/08-Collections.pptx
@@ -5,7 +5,7 @@
     <p:sldMasterId id="2147483648" r:id="rId1"/>
   </p:sldMasterIdLst>
   <p:notesMasterIdLst>
-    <p:notesMasterId r:id="rId32"/>
+    <p:notesMasterId r:id="rId33"/>
   </p:notesMasterIdLst>
   <p:sldIdLst>
     <p:sldId id="256" r:id="rId2"/>
@@ -36,8 +36,9 @@
     <p:sldId id="316" r:id="rId27"/>
     <p:sldId id="317" r:id="rId28"/>
     <p:sldId id="321" r:id="rId29"/>
-    <p:sldId id="318" r:id="rId30"/>
-    <p:sldId id="319" r:id="rId31"/>
+    <p:sldId id="322" r:id="rId30"/>
+    <p:sldId id="318" r:id="rId31"/>
+    <p:sldId id="319" r:id="rId32"/>
   </p:sldIdLst>
   <p:sldSz cx="9144000" cy="6858000" type="screen4x3"/>
   <p:notesSz cx="6858000" cy="9144000"/>
@@ -221,7 +222,7 @@
           <a:p>
             <a:fld id="{BB6BAE91-212C-F34F-A74B-874A8C7A7F45}" type="datetimeFigureOut">
               <a:rPr lang="en-US" smtClean="0"/>
-              <a:t>2/22/15</a:t>
+              <a:t>2/23/15</a:t>
             </a:fld>
             <a:endParaRPr lang="en-US"/>
           </a:p>
@@ -7095,7 +7096,7 @@
             <a:fld id="{53E3C220-27FD-754D-90F5-969A49E06266}" type="slidenum">
               <a:rPr lang="en-US" sz="1200"/>
               <a:pPr eaLnBrk="1" hangingPunct="1"/>
-              <a:t>29</a:t>
+              <a:t>30</a:t>
             </a:fld>
             <a:endParaRPr lang="en-US" sz="1200"/>
           </a:p>
@@ -7358,7 +7359,7 @@
             <a:fld id="{FEEA0989-008E-D945-AF2B-7839F1B62515}" type="slidenum">
               <a:rPr lang="en-US" sz="1200"/>
               <a:pPr eaLnBrk="1" hangingPunct="1"/>
-              <a:t>30</a:t>
+              <a:t>31</a:t>
             </a:fld>
             <a:endParaRPr lang="en-US" sz="1200"/>
           </a:p>
@@ -11620,7 +11621,7 @@
           <a:p>
             <a:fld id="{95D0A52A-683A-E348-B00D-319C34B8C99A}" type="datetimeFigureOut">
               <a:rPr lang="en-US" smtClean="0"/>
-              <a:t>2/22/15</a:t>
+              <a:t>2/23/15</a:t>
             </a:fld>
             <a:endParaRPr lang="en-US"/>
           </a:p>
@@ -11790,7 +11791,7 @@
           <a:p>
             <a:fld id="{95D0A52A-683A-E348-B00D-319C34B8C99A}" type="datetimeFigureOut">
               <a:rPr lang="en-US" smtClean="0"/>
-              <a:t>2/22/15</a:t>
+              <a:t>2/23/15</a:t>
             </a:fld>
             <a:endParaRPr lang="en-US"/>
           </a:p>
@@ -11970,7 +11971,7 @@
           <a:p>
             <a:fld id="{95D0A52A-683A-E348-B00D-319C34B8C99A}" type="datetimeFigureOut">
               <a:rPr lang="en-US" smtClean="0"/>
-              <a:t>2/22/15</a:t>
+              <a:t>2/23/15</a:t>
             </a:fld>
             <a:endParaRPr lang="en-US"/>
           </a:p>
@@ -12140,7 +12141,7 @@
           <a:p>
             <a:fld id="{95D0A52A-683A-E348-B00D-319C34B8C99A}" type="datetimeFigureOut">
               <a:rPr lang="en-US" smtClean="0"/>
-              <a:t>2/22/15</a:t>
+              <a:t>2/23/15</a:t>
             </a:fld>
             <a:endParaRPr lang="en-US"/>
           </a:p>
@@ -12386,7 +12387,7 @@
           <a:p>
             <a:fld id="{95D0A52A-683A-E348-B00D-319C34B8C99A}" type="datetimeFigureOut">
               <a:rPr lang="en-US" smtClean="0"/>
-              <a:t>2/22/15</a:t>
+              <a:t>2/23/15</a:t>
             </a:fld>
             <a:endParaRPr lang="en-US"/>
           </a:p>
@@ -12674,7 +12675,7 @@
           <a:p>
             <a:fld id="{95D0A52A-683A-E348-B00D-319C34B8C99A}" type="datetimeFigureOut">
               <a:rPr lang="en-US" smtClean="0"/>
-              <a:t>2/22/15</a:t>
+              <a:t>2/23/15</a:t>
             </a:fld>
             <a:endParaRPr lang="en-US"/>
           </a:p>
@@ -13096,7 +13097,7 @@
           <a:p>
             <a:fld id="{95D0A52A-683A-E348-B00D-319C34B8C99A}" type="datetimeFigureOut">
               <a:rPr lang="en-US" smtClean="0"/>
-              <a:t>2/22/15</a:t>
+              <a:t>2/23/15</a:t>
             </a:fld>
             <a:endParaRPr lang="en-US"/>
           </a:p>
@@ -13214,7 +13215,7 @@
           <a:p>
             <a:fld id="{95D0A52A-683A-E348-B00D-319C34B8C99A}" type="datetimeFigureOut">
               <a:rPr lang="en-US" smtClean="0"/>
-              <a:t>2/22/15</a:t>
+              <a:t>2/23/15</a:t>
             </a:fld>
             <a:endParaRPr lang="en-US"/>
           </a:p>
@@ -13309,7 +13310,7 @@
           <a:p>
             <a:fld id="{95D0A52A-683A-E348-B00D-319C34B8C99A}" type="datetimeFigureOut">
               <a:rPr lang="en-US" smtClean="0"/>
-              <a:t>2/22/15</a:t>
+              <a:t>2/23/15</a:t>
             </a:fld>
             <a:endParaRPr lang="en-US"/>
           </a:p>
@@ -13586,7 +13587,7 @@
           <a:p>
             <a:fld id="{95D0A52A-683A-E348-B00D-319C34B8C99A}" type="datetimeFigureOut">
               <a:rPr lang="en-US" smtClean="0"/>
-              <a:t>2/22/15</a:t>
+              <a:t>2/23/15</a:t>
             </a:fld>
             <a:endParaRPr lang="en-US"/>
           </a:p>
@@ -13839,7 +13840,7 @@
           <a:p>
             <a:fld id="{95D0A52A-683A-E348-B00D-319C34B8C99A}" type="datetimeFigureOut">
               <a:rPr lang="en-US" smtClean="0"/>
-              <a:t>2/22/15</a:t>
+              <a:t>2/23/15</a:t>
             </a:fld>
             <a:endParaRPr lang="en-US"/>
           </a:p>
@@ -14052,7 +14053,7 @@
           <a:p>
             <a:fld id="{95D0A52A-683A-E348-B00D-319C34B8C99A}" type="datetimeFigureOut">
               <a:rPr lang="en-US" smtClean="0"/>
-              <a:t>2/22/15</a:t>
+              <a:t>2/23/15</a:t>
             </a:fld>
             <a:endParaRPr lang="en-US"/>
           </a:p>
@@ -14543,6 +14544,9 @@
             <a:srgbClr val="FFFFFF"/>
           </a:solidFill>
           <a:ln>
+            <a:solidFill>
+              <a:schemeClr val="tx1"/>
+            </a:solidFill>
             <a:headEnd/>
             <a:tailEnd/>
           </a:ln>
@@ -25150,8 +25154,20 @@
           <a:lstStyle/>
           <a:p>
             <a:r>
+              <a:rPr lang="en-US" dirty="0" err="1" smtClean="0"/>
+              <a:t>BoxCar</a:t>
+            </a:r>
+            <a:r>
               <a:rPr lang="en-US" dirty="0" smtClean="0"/>
-              <a:t>iTunes &amp; Song classes </a:t>
+              <a:t> with arbitrary number of </a:t>
+            </a:r>
+            <a:r>
+              <a:rPr lang="en-US" dirty="0" err="1" smtClean="0"/>
+              <a:t>BoxCarPart</a:t>
+            </a:r>
+            <a:r>
+              <a:rPr lang="en-US" dirty="0" smtClean="0"/>
+              <a:t> objects</a:t>
             </a:r>
             <a:endParaRPr lang="en-US" dirty="0"/>
           </a:p>
@@ -25196,281 +25212,60 @@
       </p:grpSpPr>
       <p:sp>
         <p:nvSpPr>
-          <p:cNvPr id="84994" name="Title 1"/>
+          <p:cNvPr id="2" name="Title 1"/>
           <p:cNvSpPr>
             <a:spLocks noGrp="1"/>
           </p:cNvSpPr>
           <p:nvPr>
-            <p:ph type="title"/>
+            <p:ph type="ctrTitle"/>
           </p:nvPr>
         </p:nvSpPr>
-        <p:spPr>
-          <a:xfrm>
-            <a:off x="457200" y="0"/>
-            <a:ext cx="8229600" cy="1417638"/>
-          </a:xfrm>
-        </p:spPr>
+        <p:spPr/>
         <p:txBody>
           <a:bodyPr/>
           <a:lstStyle/>
           <a:p>
             <a:r>
-              <a:rPr lang="en-US" sz="3600" dirty="0" smtClean="0">
-                <a:latin typeface="Calibri"/>
-                <a:cs typeface="Calibri"/>
-              </a:rPr>
-              <a:t>iTunes </a:t>
-            </a:r>
-            <a:r>
-              <a:rPr lang="en-US" sz="3600" dirty="0">
-                <a:latin typeface="Calibri"/>
-                <a:cs typeface="Calibri"/>
-              </a:rPr>
-              <a:t>class (Review)</a:t>
-            </a:r>
+              <a:rPr lang="en-US" dirty="0" smtClean="0"/>
+              <a:t>Try it!</a:t>
+            </a:r>
+            <a:endParaRPr lang="en-US" dirty="0"/>
           </a:p>
         </p:txBody>
       </p:sp>
       <p:sp>
         <p:nvSpPr>
-          <p:cNvPr id="84995" name="Content Placeholder 2"/>
+          <p:cNvPr id="3" name="Subtitle 2"/>
           <p:cNvSpPr>
             <a:spLocks noGrp="1"/>
           </p:cNvSpPr>
           <p:nvPr>
-            <p:ph idx="1"/>
+            <p:ph type="subTitle" idx="1"/>
           </p:nvPr>
         </p:nvSpPr>
-        <p:spPr>
-          <a:xfrm>
-            <a:off x="228600" y="1417637"/>
-            <a:ext cx="8686800" cy="5170487"/>
-          </a:xfrm>
-        </p:spPr>
+        <p:spPr/>
         <p:txBody>
-          <a:bodyPr>
-            <a:normAutofit fontScale="92500" lnSpcReduction="20000"/>
-          </a:bodyPr>
+          <a:bodyPr/>
           <a:lstStyle/>
           <a:p>
             <a:r>
-              <a:rPr lang="en-US" dirty="0">
-                <a:latin typeface="Calibri"/>
-                <a:cs typeface="Calibri"/>
-              </a:rPr>
-              <a:t>Create a class Song with</a:t>
-            </a:r>
-          </a:p>
-          <a:p>
-            <a:pPr lvl="1"/>
-            <a:r>
-              <a:rPr lang="en-US" dirty="0">
-                <a:latin typeface="Calibri"/>
-                <a:ea typeface="Arial" charset="0"/>
-                <a:cs typeface="Calibri"/>
-              </a:rPr>
-              <a:t>4 Fields:</a:t>
-            </a:r>
-            <a:br>
-              <a:rPr lang="en-US" dirty="0">
-                <a:latin typeface="Calibri"/>
-                <a:ea typeface="Arial" charset="0"/>
-                <a:cs typeface="Calibri"/>
-              </a:rPr>
-            </a:br>
-            <a:r>
-              <a:rPr lang="en-US" dirty="0">
-                <a:latin typeface="Calibri"/>
-                <a:ea typeface="Arial" charset="0"/>
-                <a:cs typeface="Calibri"/>
-              </a:rPr>
-              <a:t>private String title;</a:t>
-            </a:r>
-            <a:br>
-              <a:rPr lang="en-US" dirty="0">
-                <a:latin typeface="Calibri"/>
-                <a:ea typeface="Arial" charset="0"/>
-                <a:cs typeface="Calibri"/>
-              </a:rPr>
-            </a:br>
-            <a:r>
-              <a:rPr lang="en-US" dirty="0">
-                <a:latin typeface="Calibri"/>
-                <a:ea typeface="Arial" charset="0"/>
-                <a:cs typeface="Calibri"/>
-              </a:rPr>
-              <a:t>private String artist;</a:t>
-            </a:r>
-            <a:br>
-              <a:rPr lang="en-US" dirty="0">
-                <a:latin typeface="Calibri"/>
-                <a:ea typeface="Arial" charset="0"/>
-                <a:cs typeface="Calibri"/>
-              </a:rPr>
-            </a:br>
-            <a:r>
-              <a:rPr lang="en-US" dirty="0">
-                <a:latin typeface="Calibri"/>
-                <a:ea typeface="Arial" charset="0"/>
-                <a:cs typeface="Calibri"/>
-              </a:rPr>
-              <a:t>private String album;</a:t>
-            </a:r>
-            <a:br>
-              <a:rPr lang="en-US" dirty="0">
-                <a:latin typeface="Calibri"/>
-                <a:ea typeface="Arial" charset="0"/>
-                <a:cs typeface="Calibri"/>
-              </a:rPr>
-            </a:br>
-            <a:r>
-              <a:rPr lang="en-US" dirty="0">
-                <a:latin typeface="Calibri"/>
-                <a:ea typeface="Arial" charset="0"/>
-                <a:cs typeface="Calibri"/>
-              </a:rPr>
-              <a:t>private double price;</a:t>
-            </a:r>
-          </a:p>
-          <a:p>
-            <a:pPr lvl="1"/>
-            <a:r>
-              <a:rPr lang="en-US" dirty="0">
-                <a:latin typeface="Calibri"/>
-                <a:ea typeface="Arial" charset="0"/>
-                <a:cs typeface="Calibri"/>
-              </a:rPr>
-              <a:t>2 Constructors: default, &amp; with a parameter for each field</a:t>
-            </a:r>
-          </a:p>
-          <a:p>
-            <a:pPr lvl="1"/>
-            <a:r>
-              <a:rPr lang="en-US" dirty="0">
-                <a:latin typeface="Calibri"/>
-                <a:ea typeface="Arial" charset="0"/>
-                <a:cs typeface="Calibri"/>
-              </a:rPr>
-              <a:t>9 Methods: getters &amp; setters for each field, and </a:t>
-            </a:r>
-            <a:r>
-              <a:rPr lang="en-US" dirty="0" err="1">
-                <a:latin typeface="Calibri"/>
-                <a:ea typeface="Arial" charset="0"/>
-                <a:cs typeface="Calibri"/>
-              </a:rPr>
-              <a:t>toString</a:t>
-            </a:r>
-            <a:endParaRPr lang="en-US" dirty="0">
-              <a:latin typeface="Calibri"/>
-              <a:ea typeface="Arial" charset="0"/>
-              <a:cs typeface="Calibri"/>
-            </a:endParaRPr>
-          </a:p>
-          <a:p>
-            <a:r>
-              <a:rPr lang="en-US" dirty="0">
-                <a:latin typeface="Calibri"/>
-                <a:cs typeface="Calibri"/>
-              </a:rPr>
-              <a:t>Create an iTunes class that stores a list of songs as an </a:t>
-            </a:r>
-            <a:r>
-              <a:rPr lang="en-US" dirty="0" err="1">
-                <a:latin typeface="Calibri"/>
-                <a:cs typeface="Calibri"/>
-              </a:rPr>
-              <a:t>ArrayList</a:t>
-            </a:r>
-            <a:r>
-              <a:rPr lang="en-US" dirty="0">
-                <a:latin typeface="Calibri"/>
-                <a:cs typeface="Calibri"/>
-              </a:rPr>
-              <a:t>, and initialize the list to be empty</a:t>
-            </a:r>
-          </a:p>
-          <a:p>
-            <a:pPr lvl="1"/>
-            <a:r>
-              <a:rPr lang="en-US" dirty="0">
-                <a:latin typeface="Calibri"/>
-                <a:ea typeface="Arial" charset="0"/>
-                <a:cs typeface="Calibri"/>
-              </a:rPr>
-              <a:t>Create a method </a:t>
-            </a:r>
-            <a:r>
-              <a:rPr lang="en-US" dirty="0" err="1">
-                <a:latin typeface="Calibri"/>
-                <a:ea typeface="Arial" charset="0"/>
-                <a:cs typeface="Calibri"/>
-              </a:rPr>
-              <a:t>addSong</a:t>
-            </a:r>
-            <a:r>
-              <a:rPr lang="en-US" dirty="0">
-                <a:latin typeface="Calibri"/>
-                <a:ea typeface="Arial" charset="0"/>
-                <a:cs typeface="Calibri"/>
-              </a:rPr>
-              <a:t> to the iTunes class</a:t>
-            </a:r>
-          </a:p>
-          <a:p>
-            <a:r>
-              <a:rPr lang="en-US" dirty="0">
-                <a:latin typeface="Calibri"/>
-                <a:cs typeface="Calibri"/>
-              </a:rPr>
-              <a:t>Create a </a:t>
-            </a:r>
-            <a:r>
-              <a:rPr lang="en-US" b="1" dirty="0">
-                <a:latin typeface="Calibri"/>
-                <a:cs typeface="Calibri"/>
-              </a:rPr>
-              <a:t>main </a:t>
-            </a:r>
-            <a:r>
-              <a:rPr lang="en-US" dirty="0">
-                <a:latin typeface="Calibri"/>
-                <a:cs typeface="Calibri"/>
-              </a:rPr>
-              <a:t>method that adds 3 songs to iTunes (don</a:t>
-            </a:r>
-            <a:r>
-              <a:rPr lang="ja-JP" altLang="en-US" dirty="0">
-                <a:latin typeface="Calibri"/>
-                <a:cs typeface="Calibri"/>
-              </a:rPr>
-              <a:t>’</a:t>
-            </a:r>
-            <a:r>
-              <a:rPr lang="en-US" altLang="ja-JP" dirty="0">
-                <a:latin typeface="Calibri"/>
-                <a:cs typeface="Calibri"/>
-              </a:rPr>
-              <a:t>t use the default constructor)</a:t>
-            </a:r>
-            <a:endParaRPr lang="en-US" dirty="0">
-              <a:latin typeface="Calibri"/>
-              <a:cs typeface="Calibri"/>
-            </a:endParaRPr>
+              <a:rPr lang="en-US" dirty="0" smtClean="0"/>
+              <a:t>iTunes &amp; Song classes </a:t>
+            </a:r>
+            <a:endParaRPr lang="en-US" dirty="0"/>
           </a:p>
         </p:txBody>
       </p:sp>
     </p:spTree>
     <p:extLst>
       <p:ext uri="{BB962C8B-B14F-4D97-AF65-F5344CB8AC3E}">
-        <p14:creationId xmlns:p14="http://schemas.microsoft.com/office/powerpoint/2010/main" val="3870601297"/>
+        <p14:creationId xmlns:p14="http://schemas.microsoft.com/office/powerpoint/2010/main" val="3446089339"/>
       </p:ext>
     </p:extLst>
   </p:cSld>
   <p:clrMapOvr>
     <a:masterClrMapping/>
   </p:clrMapOvr>
-  <p:transition xmlns:p14="http://schemas.microsoft.com/office/powerpoint/2010/main" spd="med"/>
   <p:timing>
     <p:tnLst>
       <p:par>
@@ -25804,6 +25599,310 @@
 </file>
 
 <file path=ppt/slides/slide30.xml><?xml version="1.0" encoding="utf-8"?>
+<p:sld xmlns:a="http://schemas.openxmlformats.org/drawingml/2006/main" xmlns:r="http://schemas.openxmlformats.org/officeDocument/2006/relationships" xmlns:p="http://schemas.openxmlformats.org/presentationml/2006/main">
+  <p:cSld>
+    <p:spTree>
+      <p:nvGrpSpPr>
+        <p:cNvPr id="1" name=""/>
+        <p:cNvGrpSpPr/>
+        <p:nvPr/>
+      </p:nvGrpSpPr>
+      <p:grpSpPr>
+        <a:xfrm>
+          <a:off x="0" y="0"/>
+          <a:ext cx="0" cy="0"/>
+          <a:chOff x="0" y="0"/>
+          <a:chExt cx="0" cy="0"/>
+        </a:xfrm>
+      </p:grpSpPr>
+      <p:sp>
+        <p:nvSpPr>
+          <p:cNvPr id="84994" name="Title 1"/>
+          <p:cNvSpPr>
+            <a:spLocks noGrp="1"/>
+          </p:cNvSpPr>
+          <p:nvPr>
+            <p:ph type="title"/>
+          </p:nvPr>
+        </p:nvSpPr>
+        <p:spPr>
+          <a:xfrm>
+            <a:off x="457200" y="0"/>
+            <a:ext cx="8229600" cy="1417638"/>
+          </a:xfrm>
+        </p:spPr>
+        <p:txBody>
+          <a:bodyPr/>
+          <a:lstStyle/>
+          <a:p>
+            <a:r>
+              <a:rPr lang="en-US" sz="3600" dirty="0" smtClean="0">
+                <a:latin typeface="Calibri"/>
+                <a:cs typeface="Calibri"/>
+              </a:rPr>
+              <a:t>iTunes </a:t>
+            </a:r>
+            <a:r>
+              <a:rPr lang="en-US" sz="3600" dirty="0">
+                <a:latin typeface="Calibri"/>
+                <a:cs typeface="Calibri"/>
+              </a:rPr>
+              <a:t>class (Review)</a:t>
+            </a:r>
+          </a:p>
+        </p:txBody>
+      </p:sp>
+      <p:sp>
+        <p:nvSpPr>
+          <p:cNvPr id="84995" name="Content Placeholder 2"/>
+          <p:cNvSpPr>
+            <a:spLocks noGrp="1"/>
+          </p:cNvSpPr>
+          <p:nvPr>
+            <p:ph idx="1"/>
+          </p:nvPr>
+        </p:nvSpPr>
+        <p:spPr>
+          <a:xfrm>
+            <a:off x="228600" y="1417637"/>
+            <a:ext cx="8686800" cy="5170487"/>
+          </a:xfrm>
+        </p:spPr>
+        <p:txBody>
+          <a:bodyPr>
+            <a:normAutofit fontScale="92500" lnSpcReduction="20000"/>
+          </a:bodyPr>
+          <a:lstStyle/>
+          <a:p>
+            <a:r>
+              <a:rPr lang="en-US" dirty="0">
+                <a:latin typeface="Calibri"/>
+                <a:cs typeface="Calibri"/>
+              </a:rPr>
+              <a:t>Create a class Song with</a:t>
+            </a:r>
+          </a:p>
+          <a:p>
+            <a:pPr lvl="1"/>
+            <a:r>
+              <a:rPr lang="en-US" dirty="0">
+                <a:latin typeface="Calibri"/>
+                <a:ea typeface="Arial" charset="0"/>
+                <a:cs typeface="Calibri"/>
+              </a:rPr>
+              <a:t>4 Fields:</a:t>
+            </a:r>
+            <a:br>
+              <a:rPr lang="en-US" dirty="0">
+                <a:latin typeface="Calibri"/>
+                <a:ea typeface="Arial" charset="0"/>
+                <a:cs typeface="Calibri"/>
+              </a:rPr>
+            </a:br>
+            <a:r>
+              <a:rPr lang="en-US" dirty="0">
+                <a:latin typeface="Calibri"/>
+                <a:ea typeface="Arial" charset="0"/>
+                <a:cs typeface="Calibri"/>
+              </a:rPr>
+              <a:t>private String title;</a:t>
+            </a:r>
+            <a:br>
+              <a:rPr lang="en-US" dirty="0">
+                <a:latin typeface="Calibri"/>
+                <a:ea typeface="Arial" charset="0"/>
+                <a:cs typeface="Calibri"/>
+              </a:rPr>
+            </a:br>
+            <a:r>
+              <a:rPr lang="en-US" dirty="0">
+                <a:latin typeface="Calibri"/>
+                <a:ea typeface="Arial" charset="0"/>
+                <a:cs typeface="Calibri"/>
+              </a:rPr>
+              <a:t>private String artist;</a:t>
+            </a:r>
+            <a:br>
+              <a:rPr lang="en-US" dirty="0">
+                <a:latin typeface="Calibri"/>
+                <a:ea typeface="Arial" charset="0"/>
+                <a:cs typeface="Calibri"/>
+              </a:rPr>
+            </a:br>
+            <a:r>
+              <a:rPr lang="en-US" dirty="0">
+                <a:latin typeface="Calibri"/>
+                <a:ea typeface="Arial" charset="0"/>
+                <a:cs typeface="Calibri"/>
+              </a:rPr>
+              <a:t>private String album;</a:t>
+            </a:r>
+            <a:br>
+              <a:rPr lang="en-US" dirty="0">
+                <a:latin typeface="Calibri"/>
+                <a:ea typeface="Arial" charset="0"/>
+                <a:cs typeface="Calibri"/>
+              </a:rPr>
+            </a:br>
+            <a:r>
+              <a:rPr lang="en-US" dirty="0">
+                <a:latin typeface="Calibri"/>
+                <a:ea typeface="Arial" charset="0"/>
+                <a:cs typeface="Calibri"/>
+              </a:rPr>
+              <a:t>private double price;</a:t>
+            </a:r>
+          </a:p>
+          <a:p>
+            <a:pPr lvl="1"/>
+            <a:r>
+              <a:rPr lang="en-US" dirty="0">
+                <a:latin typeface="Calibri"/>
+                <a:ea typeface="Arial" charset="0"/>
+                <a:cs typeface="Calibri"/>
+              </a:rPr>
+              <a:t>2 Constructors: default, &amp; with a parameter for each field</a:t>
+            </a:r>
+          </a:p>
+          <a:p>
+            <a:pPr lvl="1"/>
+            <a:r>
+              <a:rPr lang="en-US" dirty="0">
+                <a:latin typeface="Calibri"/>
+                <a:ea typeface="Arial" charset="0"/>
+                <a:cs typeface="Calibri"/>
+              </a:rPr>
+              <a:t>9 Methods: getters &amp; setters for each field, and </a:t>
+            </a:r>
+            <a:r>
+              <a:rPr lang="en-US" dirty="0" err="1">
+                <a:latin typeface="Calibri"/>
+                <a:ea typeface="Arial" charset="0"/>
+                <a:cs typeface="Calibri"/>
+              </a:rPr>
+              <a:t>toString</a:t>
+            </a:r>
+            <a:endParaRPr lang="en-US" dirty="0">
+              <a:latin typeface="Calibri"/>
+              <a:ea typeface="Arial" charset="0"/>
+              <a:cs typeface="Calibri"/>
+            </a:endParaRPr>
+          </a:p>
+          <a:p>
+            <a:r>
+              <a:rPr lang="en-US" dirty="0">
+                <a:latin typeface="Calibri"/>
+                <a:cs typeface="Calibri"/>
+              </a:rPr>
+              <a:t>Create an iTunes class that stores a list of songs as an </a:t>
+            </a:r>
+            <a:r>
+              <a:rPr lang="en-US" dirty="0" err="1">
+                <a:latin typeface="Calibri"/>
+                <a:cs typeface="Calibri"/>
+              </a:rPr>
+              <a:t>ArrayList</a:t>
+            </a:r>
+            <a:r>
+              <a:rPr lang="en-US" dirty="0">
+                <a:latin typeface="Calibri"/>
+                <a:cs typeface="Calibri"/>
+              </a:rPr>
+              <a:t>, and initialize the list to be empty</a:t>
+            </a:r>
+          </a:p>
+          <a:p>
+            <a:pPr lvl="1"/>
+            <a:r>
+              <a:rPr lang="en-US" dirty="0">
+                <a:latin typeface="Calibri"/>
+                <a:ea typeface="Arial" charset="0"/>
+                <a:cs typeface="Calibri"/>
+              </a:rPr>
+              <a:t>Create a method </a:t>
+            </a:r>
+            <a:r>
+              <a:rPr lang="en-US" dirty="0" err="1">
+                <a:latin typeface="Calibri"/>
+                <a:ea typeface="Arial" charset="0"/>
+                <a:cs typeface="Calibri"/>
+              </a:rPr>
+              <a:t>addSong</a:t>
+            </a:r>
+            <a:r>
+              <a:rPr lang="en-US" dirty="0">
+                <a:latin typeface="Calibri"/>
+                <a:ea typeface="Arial" charset="0"/>
+                <a:cs typeface="Calibri"/>
+              </a:rPr>
+              <a:t> to the iTunes class</a:t>
+            </a:r>
+          </a:p>
+          <a:p>
+            <a:r>
+              <a:rPr lang="en-US" dirty="0">
+                <a:latin typeface="Calibri"/>
+                <a:cs typeface="Calibri"/>
+              </a:rPr>
+              <a:t>Create a </a:t>
+            </a:r>
+            <a:r>
+              <a:rPr lang="en-US" b="1" dirty="0">
+                <a:latin typeface="Calibri"/>
+                <a:cs typeface="Calibri"/>
+              </a:rPr>
+              <a:t>main </a:t>
+            </a:r>
+            <a:r>
+              <a:rPr lang="en-US" dirty="0">
+                <a:latin typeface="Calibri"/>
+                <a:cs typeface="Calibri"/>
+              </a:rPr>
+              <a:t>method that adds 3 songs to iTunes (don</a:t>
+            </a:r>
+            <a:r>
+              <a:rPr lang="ja-JP" altLang="en-US" dirty="0">
+                <a:latin typeface="Calibri"/>
+                <a:cs typeface="Calibri"/>
+              </a:rPr>
+              <a:t>’</a:t>
+            </a:r>
+            <a:r>
+              <a:rPr lang="en-US" altLang="ja-JP" dirty="0">
+                <a:latin typeface="Calibri"/>
+                <a:cs typeface="Calibri"/>
+              </a:rPr>
+              <a:t>t use the default constructor)</a:t>
+            </a:r>
+            <a:endParaRPr lang="en-US" dirty="0">
+              <a:latin typeface="Calibri"/>
+              <a:cs typeface="Calibri"/>
+            </a:endParaRPr>
+          </a:p>
+        </p:txBody>
+      </p:sp>
+    </p:spTree>
+    <p:extLst>
+      <p:ext uri="{BB962C8B-B14F-4D97-AF65-F5344CB8AC3E}">
+        <p14:creationId xmlns:p14="http://schemas.microsoft.com/office/powerpoint/2010/main" val="3870601297"/>
+      </p:ext>
+    </p:extLst>
+  </p:cSld>
+  <p:clrMapOvr>
+    <a:masterClrMapping/>
+  </p:clrMapOvr>
+  <p:transition xmlns:p14="http://schemas.microsoft.com/office/powerpoint/2010/main" spd="med"/>
+  <p:timing>
+    <p:tnLst>
+      <p:par>
+        <p:cTn xmlns:p14="http://schemas.microsoft.com/office/powerpoint/2010/main" id="1" dur="indefinite" restart="never" nodeType="tmRoot"/>
+      </p:par>
+    </p:tnLst>
+  </p:timing>
+</p:sld>
+</file>
+
+<file path=ppt/slides/slide31.xml><?xml version="1.0" encoding="utf-8"?>
 <p:sld xmlns:a="http://schemas.openxmlformats.org/drawingml/2006/main" xmlns:r="http://schemas.openxmlformats.org/officeDocument/2006/relationships" xmlns:p="http://schemas.openxmlformats.org/presentationml/2006/main">
   <p:cSld>
     <p:spTree>

--- a/src/morea/materials/08-Collections.pptx
+++ b/src/morea/materials/08-Collections.pptx
@@ -222,7 +222,7 @@
           <a:p>
             <a:fld id="{BB6BAE91-212C-F34F-A74B-874A8C7A7F45}" type="datetimeFigureOut">
               <a:rPr lang="en-US" smtClean="0"/>
-              <a:t>2/23/15</a:t>
+              <a:t>2/25/15</a:t>
             </a:fld>
             <a:endParaRPr lang="en-US"/>
           </a:p>
@@ -11621,7 +11621,7 @@
           <a:p>
             <a:fld id="{95D0A52A-683A-E348-B00D-319C34B8C99A}" type="datetimeFigureOut">
               <a:rPr lang="en-US" smtClean="0"/>
-              <a:t>2/23/15</a:t>
+              <a:t>2/25/15</a:t>
             </a:fld>
             <a:endParaRPr lang="en-US"/>
           </a:p>
@@ -11791,7 +11791,7 @@
           <a:p>
             <a:fld id="{95D0A52A-683A-E348-B00D-319C34B8C99A}" type="datetimeFigureOut">
               <a:rPr lang="en-US" smtClean="0"/>
-              <a:t>2/23/15</a:t>
+              <a:t>2/25/15</a:t>
             </a:fld>
             <a:endParaRPr lang="en-US"/>
           </a:p>
@@ -11971,7 +11971,7 @@
           <a:p>
             <a:fld id="{95D0A52A-683A-E348-B00D-319C34B8C99A}" type="datetimeFigureOut">
               <a:rPr lang="en-US" smtClean="0"/>
-              <a:t>2/23/15</a:t>
+              <a:t>2/25/15</a:t>
             </a:fld>
             <a:endParaRPr lang="en-US"/>
           </a:p>
@@ -12141,7 +12141,7 @@
           <a:p>
             <a:fld id="{95D0A52A-683A-E348-B00D-319C34B8C99A}" type="datetimeFigureOut">
               <a:rPr lang="en-US" smtClean="0"/>
-              <a:t>2/23/15</a:t>
+              <a:t>2/25/15</a:t>
             </a:fld>
             <a:endParaRPr lang="en-US"/>
           </a:p>
@@ -12387,7 +12387,7 @@
           <a:p>
             <a:fld id="{95D0A52A-683A-E348-B00D-319C34B8C99A}" type="datetimeFigureOut">
               <a:rPr lang="en-US" smtClean="0"/>
-              <a:t>2/23/15</a:t>
+              <a:t>2/25/15</a:t>
             </a:fld>
             <a:endParaRPr lang="en-US"/>
           </a:p>
@@ -12675,7 +12675,7 @@
           <a:p>
             <a:fld id="{95D0A52A-683A-E348-B00D-319C34B8C99A}" type="datetimeFigureOut">
               <a:rPr lang="en-US" smtClean="0"/>
-              <a:t>2/23/15</a:t>
+              <a:t>2/25/15</a:t>
             </a:fld>
             <a:endParaRPr lang="en-US"/>
           </a:p>
@@ -13097,7 +13097,7 @@
           <a:p>
             <a:fld id="{95D0A52A-683A-E348-B00D-319C34B8C99A}" type="datetimeFigureOut">
               <a:rPr lang="en-US" smtClean="0"/>
-              <a:t>2/23/15</a:t>
+              <a:t>2/25/15</a:t>
             </a:fld>
             <a:endParaRPr lang="en-US"/>
           </a:p>
@@ -13215,7 +13215,7 @@
           <a:p>
             <a:fld id="{95D0A52A-683A-E348-B00D-319C34B8C99A}" type="datetimeFigureOut">
               <a:rPr lang="en-US" smtClean="0"/>
-              <a:t>2/23/15</a:t>
+              <a:t>2/25/15</a:t>
             </a:fld>
             <a:endParaRPr lang="en-US"/>
           </a:p>
@@ -13310,7 +13310,7 @@
           <a:p>
             <a:fld id="{95D0A52A-683A-E348-B00D-319C34B8C99A}" type="datetimeFigureOut">
               <a:rPr lang="en-US" smtClean="0"/>
-              <a:t>2/23/15</a:t>
+              <a:t>2/25/15</a:t>
             </a:fld>
             <a:endParaRPr lang="en-US"/>
           </a:p>
@@ -13587,7 +13587,7 @@
           <a:p>
             <a:fld id="{95D0A52A-683A-E348-B00D-319C34B8C99A}" type="datetimeFigureOut">
               <a:rPr lang="en-US" smtClean="0"/>
-              <a:t>2/23/15</a:t>
+              <a:t>2/25/15</a:t>
             </a:fld>
             <a:endParaRPr lang="en-US"/>
           </a:p>
@@ -13840,7 +13840,7 @@
           <a:p>
             <a:fld id="{95D0A52A-683A-E348-B00D-319C34B8C99A}" type="datetimeFigureOut">
               <a:rPr lang="en-US" smtClean="0"/>
-              <a:t>2/23/15</a:t>
+              <a:t>2/25/15</a:t>
             </a:fld>
             <a:endParaRPr lang="en-US"/>
           </a:p>
@@ -14053,7 +14053,7 @@
           <a:p>
             <a:fld id="{95D0A52A-683A-E348-B00D-319C34B8C99A}" type="datetimeFigureOut">
               <a:rPr lang="en-US" smtClean="0"/>
-              <a:t>2/23/15</a:t>
+              <a:t>2/25/15</a:t>
             </a:fld>
             <a:endParaRPr lang="en-US"/>
           </a:p>
